--- a/portfolio_kirchtag.pptx
+++ b/portfolio_kirchtag.pptx
@@ -207,7 +207,7 @@
           <a:p>
             <a:fld id="{17D0AC87-3A07-4628-8A0B-048646B8E04A}" type="datetimeFigureOut">
               <a:rPr lang="de-AT" smtClean="0"/>
-              <a:t>05.12.2024</a:t>
+              <a:t>06.12.2024</a:t>
             </a:fld>
             <a:endParaRPr lang="de-AT"/>
           </a:p>
@@ -624,7 +624,7 @@
           <a:p>
             <a:fld id="{41624D51-6B50-472B-8157-FD4FF4BD7F33}" type="datetime1">
               <a:rPr lang="de-AT" smtClean="0"/>
-              <a:t>05.12.2024</a:t>
+              <a:t>06.12.2024</a:t>
             </a:fld>
             <a:endParaRPr lang="de-AT"/>
           </a:p>
@@ -827,7 +827,7 @@
           <a:p>
             <a:fld id="{4586B8E5-BD8F-4C9B-BD31-D552A617E38D}" type="datetime1">
               <a:rPr lang="de-AT" smtClean="0"/>
-              <a:t>05.12.2024</a:t>
+              <a:t>06.12.2024</a:t>
             </a:fld>
             <a:endParaRPr lang="de-AT"/>
           </a:p>
@@ -1040,7 +1040,7 @@
           <a:p>
             <a:fld id="{362835E4-406A-4617-9398-25F606C0064A}" type="datetime1">
               <a:rPr lang="de-AT" smtClean="0"/>
-              <a:t>05.12.2024</a:t>
+              <a:t>06.12.2024</a:t>
             </a:fld>
             <a:endParaRPr lang="de-AT"/>
           </a:p>
@@ -1313,7 +1313,7 @@
           <a:p>
             <a:fld id="{0C85FB06-CDEC-4B83-9238-A8497C362BA2}" type="datetime1">
               <a:rPr lang="de-AT" smtClean="0"/>
-              <a:t>05.12.2024</a:t>
+              <a:t>06.12.2024</a:t>
             </a:fld>
             <a:endParaRPr lang="de-AT" dirty="0"/>
           </a:p>
@@ -1655,7 +1655,7 @@
           <a:p>
             <a:fld id="{1C11F1C0-3AF9-4983-9A54-21602518A91F}" type="datetime1">
               <a:rPr lang="de-AT" smtClean="0"/>
-              <a:t>05.12.2024</a:t>
+              <a:t>06.12.2024</a:t>
             </a:fld>
             <a:endParaRPr lang="de-AT"/>
           </a:p>
@@ -1926,7 +1926,7 @@
           <a:p>
             <a:fld id="{A19D5769-34DE-4E2B-BA22-4C06DA83B7D2}" type="datetime1">
               <a:rPr lang="de-AT" smtClean="0"/>
-              <a:t>05.12.2024</a:t>
+              <a:t>06.12.2024</a:t>
             </a:fld>
             <a:endParaRPr lang="de-AT"/>
           </a:p>
@@ -2344,7 +2344,7 @@
           <a:p>
             <a:fld id="{8D5FDAEC-FB5E-4D06-90E2-4002AB366008}" type="datetime1">
               <a:rPr lang="de-AT" smtClean="0"/>
-              <a:t>05.12.2024</a:t>
+              <a:t>06.12.2024</a:t>
             </a:fld>
             <a:endParaRPr lang="de-AT"/>
           </a:p>
@@ -2489,7 +2489,7 @@
           <a:p>
             <a:fld id="{C51D2748-EC13-4806-96FF-900F0C3CB7DA}" type="datetime1">
               <a:rPr lang="de-AT" smtClean="0"/>
-              <a:t>05.12.2024</a:t>
+              <a:t>06.12.2024</a:t>
             </a:fld>
             <a:endParaRPr lang="de-AT"/>
           </a:p>
@@ -2605,7 +2605,7 @@
           <a:p>
             <a:fld id="{B9CE325A-E34C-428E-A903-F88E22C4F63B}" type="datetime1">
               <a:rPr lang="de-AT" smtClean="0"/>
-              <a:t>05.12.2024</a:t>
+              <a:t>06.12.2024</a:t>
             </a:fld>
             <a:endParaRPr lang="de-AT"/>
           </a:p>
@@ -2921,7 +2921,7 @@
           <a:p>
             <a:fld id="{F0305206-D370-4C63-87B6-DD5AE5CF98CF}" type="datetime1">
               <a:rPr lang="de-AT" smtClean="0"/>
-              <a:t>05.12.2024</a:t>
+              <a:t>06.12.2024</a:t>
             </a:fld>
             <a:endParaRPr lang="de-AT"/>
           </a:p>
@@ -3213,7 +3213,7 @@
           <a:p>
             <a:fld id="{BB7CE8FE-D4EE-430F-B9E9-E61107CF3FC1}" type="datetime1">
               <a:rPr lang="de-AT" smtClean="0"/>
-              <a:t>05.12.2024</a:t>
+              <a:t>06.12.2024</a:t>
             </a:fld>
             <a:endParaRPr lang="de-AT"/>
           </a:p>
@@ -3459,7 +3459,7 @@
           <a:p>
             <a:fld id="{9D01F2C2-7497-4C68-A43A-2D734BB0CD71}" type="datetime1">
               <a:rPr lang="de-AT" smtClean="0"/>
-              <a:t>05.12.2024</a:t>
+              <a:t>06.12.2024</a:t>
             </a:fld>
             <a:endParaRPr lang="de-AT"/>
           </a:p>
@@ -4269,7 +4269,7 @@
                   <a:spcPts val="600"/>
                 </a:spcAft>
               </a:pPr>
-              <a:t>05.12.2024</a:t>
+              <a:t>06.12.2024</a:t>
             </a:fld>
             <a:endParaRPr lang="de-AT"/>
           </a:p>
@@ -4321,13 +4321,18 @@
             <p:ph type="title"/>
           </p:nvPr>
         </p:nvSpPr>
-        <p:spPr/>
+        <p:spPr>
+          <a:xfrm>
+            <a:off x="1225296" y="2612113"/>
+            <a:ext cx="10515600" cy="1325563"/>
+          </a:xfrm>
+        </p:spPr>
         <p:txBody>
           <a:bodyPr/>
           <a:lstStyle/>
           <a:p>
             <a:r>
-              <a:rPr lang="de-AT" dirty="0"/>
+              <a:rPr lang="de-AT" b="1" dirty="0"/>
               <a:t>Inhalt</a:t>
             </a:r>
           </a:p>
@@ -4349,7 +4354,12 @@
             <p:ph idx="1"/>
           </p:nvPr>
         </p:nvSpPr>
-        <p:spPr/>
+        <p:spPr>
+          <a:xfrm>
+            <a:off x="5876544" y="1756382"/>
+            <a:ext cx="5283944" cy="3390631"/>
+          </a:xfrm>
+        </p:spPr>
         <p:txBody>
           <a:bodyPr/>
           <a:lstStyle/>
@@ -4414,7 +4424,7 @@
           <a:p>
             <a:fld id="{9B6B5C21-75BC-464C-B4BA-64610A962301}" type="datetime1">
               <a:rPr lang="de-AT" smtClean="0"/>
-              <a:t>05.12.2024</a:t>
+              <a:t>06.12.2024</a:t>
             </a:fld>
             <a:endParaRPr lang="de-AT" dirty="0"/>
           </a:p>
@@ -4566,7 +4576,7 @@
           <a:lstStyle/>
           <a:p>
             <a:r>
-              <a:rPr lang="de-AT" dirty="0"/>
+              <a:rPr lang="de-AT" b="1" dirty="0"/>
               <a:t>Warum Zola?</a:t>
             </a:r>
           </a:p>
@@ -4595,7 +4605,7 @@
           <a:p>
             <a:fld id="{0C85FB06-CDEC-4B83-9238-A8497C362BA2}" type="datetime1">
               <a:rPr lang="de-AT" smtClean="0"/>
-              <a:t>05.12.2024</a:t>
+              <a:t>06.12.2024</a:t>
             </a:fld>
             <a:endParaRPr lang="de-AT" dirty="0"/>
           </a:p>
@@ -4717,8 +4727,8 @@
         </p:nvSpPr>
         <p:spPr bwMode="auto">
           <a:xfrm>
-            <a:off x="838200" y="2475692"/>
-            <a:ext cx="5047407" cy="2585323"/>
+            <a:off x="838200" y="2845024"/>
+            <a:ext cx="5047407" cy="1846659"/>
           </a:xfrm>
           <a:prstGeom prst="rect">
             <a:avLst/>
@@ -4812,7 +4822,7 @@
                 <a:effectLst/>
                 <a:latin typeface="Arial" panose="020B0604020202020204" pitchFamily="34" charset="0"/>
               </a:rPr>
-              <a:t>Zola = Static Site Generator.</a:t>
+              <a:t>Keine Abhängigkeiten</a:t>
             </a:r>
           </a:p>
           <a:p>
@@ -4838,69 +4848,7 @@
                 <a:effectLst/>
                 <a:latin typeface="Arial" panose="020B0604020202020204" pitchFamily="34" charset="0"/>
               </a:rPr>
-              <a:t>Keine Abhängigkeiten</a:t>
-            </a:r>
-          </a:p>
-          <a:p>
-            <a:pPr eaLnBrk="0" fontAlgn="base" hangingPunct="0">
-              <a:lnSpc>
-                <a:spcPct val="100000"/>
-              </a:lnSpc>
-              <a:spcBef>
-                <a:spcPct val="0"/>
-              </a:spcBef>
-              <a:spcAft>
-                <a:spcPct val="0"/>
-              </a:spcAft>
-            </a:pPr>
-            <a:r>
-              <a:rPr kumimoji="0" lang="de-DE" altLang="de-DE" sz="2400" i="0" u="none" strike="noStrike" cap="none" normalizeH="0" baseline="0" dirty="0" err="1">
-                <a:ln>
-                  <a:noFill/>
-                </a:ln>
-                <a:solidFill>
-                  <a:schemeClr val="tx1"/>
-                </a:solidFill>
-                <a:effectLst/>
-                <a:latin typeface="Arial" panose="020B0604020202020204" pitchFamily="34" charset="0"/>
-              </a:rPr>
-              <a:t>Markdown</a:t>
-            </a:r>
-            <a:endParaRPr kumimoji="0" lang="de-DE" altLang="de-DE" sz="2400" i="0" u="none" strike="noStrike" cap="none" normalizeH="0" baseline="0" dirty="0">
-              <a:ln>
-                <a:noFill/>
-              </a:ln>
-              <a:solidFill>
-                <a:schemeClr val="tx1"/>
-              </a:solidFill>
-              <a:effectLst/>
-              <a:latin typeface="Arial" panose="020B0604020202020204" pitchFamily="34" charset="0"/>
-            </a:endParaRPr>
-          </a:p>
-          <a:p>
-            <a:pPr eaLnBrk="0" fontAlgn="base" hangingPunct="0">
-              <a:lnSpc>
-                <a:spcPct val="100000"/>
-              </a:lnSpc>
-              <a:spcBef>
-                <a:spcPct val="0"/>
-              </a:spcBef>
-              <a:spcAft>
-                <a:spcPct val="0"/>
-              </a:spcAft>
-            </a:pPr>
-            <a:r>
-              <a:rPr kumimoji="0" lang="de-DE" altLang="de-DE" sz="2400" i="0" u="none" strike="noStrike" cap="none" normalizeH="0" baseline="0" dirty="0">
-                <a:ln>
-                  <a:noFill/>
-                </a:ln>
-                <a:solidFill>
-                  <a:schemeClr val="tx1"/>
-                </a:solidFill>
-                <a:effectLst/>
-                <a:latin typeface="Arial" panose="020B0604020202020204" pitchFamily="34" charset="0"/>
-              </a:rPr>
-              <a:t>Flexibel</a:t>
+              <a:t>Einfach und Flexibel</a:t>
             </a:r>
           </a:p>
           <a:p>
@@ -5041,7 +4989,7 @@
           <a:lstStyle/>
           <a:p>
             <a:r>
-              <a:rPr lang="de-AT" dirty="0"/>
+              <a:rPr lang="de-AT" b="1" dirty="0"/>
               <a:t>Umsetzung</a:t>
             </a:r>
           </a:p>
@@ -5070,7 +5018,7 @@
           <a:p>
             <a:fld id="{0C85FB06-CDEC-4B83-9238-A8497C362BA2}" type="datetime1">
               <a:rPr lang="de-AT" smtClean="0"/>
-              <a:t>05.12.2024</a:t>
+              <a:t>06.12.2024</a:t>
             </a:fld>
             <a:endParaRPr lang="de-AT" dirty="0"/>
           </a:p>
@@ -5415,7 +5363,7 @@
               <a:rPr lang="de-DE" altLang="de-DE" sz="2400" dirty="0">
                 <a:latin typeface="Arial" panose="020B0604020202020204" pitchFamily="34" charset="0"/>
               </a:rPr>
-              <a:t>Struktur wird klar erstellt</a:t>
+              <a:t>Struktur wird erstellt</a:t>
             </a:r>
             <a:endParaRPr kumimoji="0" lang="de-DE" altLang="de-DE" sz="2400" i="0" u="none" strike="noStrike" cap="none" normalizeH="0" baseline="0" dirty="0">
               <a:ln>
@@ -5570,6 +5518,36 @@
           </a:p>
         </p:txBody>
       </p:sp>
+      <p:pic>
+        <p:nvPicPr>
+          <p:cNvPr id="9" name="Grafik 8">
+            <a:extLst>
+              <a:ext uri="{FF2B5EF4-FFF2-40B4-BE49-F238E27FC236}">
+                <a16:creationId xmlns:a16="http://schemas.microsoft.com/office/drawing/2014/main" id="{9AC3F768-2E17-A3A6-21DA-DF2CF7612F20}"/>
+              </a:ext>
+            </a:extLst>
+          </p:cNvPr>
+          <p:cNvPicPr>
+            <a:picLocks noChangeAspect="1"/>
+          </p:cNvPicPr>
+          <p:nvPr/>
+        </p:nvPicPr>
+        <p:blipFill>
+          <a:blip r:embed="rId2"/>
+          <a:stretch>
+            <a:fillRect/>
+          </a:stretch>
+        </p:blipFill>
+        <p:spPr>
+          <a:xfrm>
+            <a:off x="8747456" y="1418853"/>
+            <a:ext cx="2307639" cy="4533349"/>
+          </a:xfrm>
+          <a:prstGeom prst="rect">
+            <a:avLst/>
+          </a:prstGeom>
+        </p:spPr>
+      </p:pic>
     </p:spTree>
     <p:extLst>
       <p:ext uri="{BB962C8B-B14F-4D97-AF65-F5344CB8AC3E}">
@@ -5622,7 +5600,7 @@
           <a:lstStyle/>
           <a:p>
             <a:r>
-              <a:rPr lang="de-AT" dirty="0"/>
+              <a:rPr lang="de-AT" b="1" dirty="0"/>
               <a:t>Benutzerfreundlichkeit</a:t>
             </a:r>
           </a:p>
@@ -5651,7 +5629,7 @@
           <a:p>
             <a:fld id="{0C85FB06-CDEC-4B83-9238-A8497C362BA2}" type="datetime1">
               <a:rPr lang="de-AT" smtClean="0"/>
-              <a:t>05.12.2024</a:t>
+              <a:t>06.12.2024</a:t>
             </a:fld>
             <a:endParaRPr lang="de-AT" dirty="0"/>
           </a:p>
@@ -5777,8 +5755,8 @@
         </p:nvSpPr>
         <p:spPr bwMode="auto">
           <a:xfrm>
-            <a:off x="838200" y="2450321"/>
-            <a:ext cx="6742551" cy="4062651"/>
+            <a:off x="838200" y="2478365"/>
+            <a:ext cx="6143028" cy="3693319"/>
           </a:xfrm>
           <a:prstGeom prst="rect">
             <a:avLst/>
@@ -5838,6 +5816,19 @@
               </a:spcAft>
             </a:pPr>
             <a:r>
+              <a:rPr kumimoji="0" lang="de-DE" altLang="de-DE" sz="2200" b="1" i="0" u="none" strike="noStrike" cap="none" normalizeH="0" baseline="0" dirty="0">
+                <a:ln>
+                  <a:noFill/>
+                </a:ln>
+                <a:solidFill>
+                  <a:schemeClr val="tx1"/>
+                </a:solidFill>
+                <a:effectLst/>
+                <a:latin typeface="Arial" panose="020B0604020202020204" pitchFamily="34" charset="0"/>
+              </a:rPr>
+              <a:t>Gut</a:t>
+            </a:r>
+            <a:r>
               <a:rPr kumimoji="0" lang="de-DE" altLang="de-DE" sz="2400" i="0" u="none" strike="noStrike" cap="none" normalizeH="0" baseline="0" dirty="0">
                 <a:ln>
                   <a:noFill/>
@@ -5848,8 +5839,200 @@
                 <a:effectLst/>
                 <a:latin typeface="Arial" panose="020B0604020202020204" pitchFamily="34" charset="0"/>
               </a:rPr>
-              <a:t>Positives:</a:t>
-            </a:r>
+              <a:t>:</a:t>
+            </a:r>
+          </a:p>
+          <a:p>
+            <a:pPr lvl="1" eaLnBrk="0" fontAlgn="base" hangingPunct="0">
+              <a:lnSpc>
+                <a:spcPct val="100000"/>
+              </a:lnSpc>
+              <a:spcBef>
+                <a:spcPct val="0"/>
+              </a:spcBef>
+              <a:spcAft>
+                <a:spcPct val="0"/>
+              </a:spcAft>
+            </a:pPr>
+            <a:r>
+              <a:rPr kumimoji="0" lang="de-DE" altLang="de-DE" sz="2000" i="0" u="none" strike="noStrike" cap="none" normalizeH="0" baseline="0" dirty="0">
+                <a:ln>
+                  <a:noFill/>
+                </a:ln>
+                <a:solidFill>
+                  <a:schemeClr val="tx1"/>
+                </a:solidFill>
+                <a:effectLst/>
+                <a:latin typeface="Arial" panose="020B0604020202020204" pitchFamily="34" charset="0"/>
+              </a:rPr>
+              <a:t>Klare Ordnerstruktur </a:t>
+            </a:r>
+            <a:r>
+              <a:rPr kumimoji="0" lang="de-DE" altLang="de-DE" sz="2000" i="0" u="none" strike="noStrike" cap="none" normalizeH="0" baseline="0" dirty="0" err="1">
+                <a:ln>
+                  <a:noFill/>
+                </a:ln>
+                <a:solidFill>
+                  <a:schemeClr val="tx1"/>
+                </a:solidFill>
+                <a:effectLst/>
+                <a:latin typeface="Arial Unicode MS"/>
+              </a:rPr>
+              <a:t>content</a:t>
+            </a:r>
+            <a:r>
+              <a:rPr kumimoji="0" lang="de-DE" altLang="de-DE" sz="2000" i="0" u="none" strike="noStrike" cap="none" normalizeH="0" baseline="0" dirty="0">
+                <a:ln>
+                  <a:noFill/>
+                </a:ln>
+                <a:solidFill>
+                  <a:schemeClr val="tx1"/>
+                </a:solidFill>
+                <a:effectLst/>
+              </a:rPr>
+              <a:t>, </a:t>
+            </a:r>
+            <a:r>
+              <a:rPr kumimoji="0" lang="de-DE" altLang="de-DE" sz="2000" i="0" u="none" strike="noStrike" cap="none" normalizeH="0" baseline="0" dirty="0" err="1">
+                <a:ln>
+                  <a:noFill/>
+                </a:ln>
+                <a:solidFill>
+                  <a:schemeClr val="tx1"/>
+                </a:solidFill>
+                <a:effectLst/>
+                <a:latin typeface="Arial Unicode MS"/>
+              </a:rPr>
+              <a:t>templates</a:t>
+            </a:r>
+            <a:r>
+              <a:rPr kumimoji="0" lang="de-DE" altLang="de-DE" sz="2000" i="0" u="none" strike="noStrike" cap="none" normalizeH="0" baseline="0" dirty="0">
+                <a:ln>
+                  <a:noFill/>
+                </a:ln>
+                <a:solidFill>
+                  <a:schemeClr val="tx1"/>
+                </a:solidFill>
+                <a:effectLst/>
+              </a:rPr>
+              <a:t>, </a:t>
+            </a:r>
+            <a:r>
+              <a:rPr kumimoji="0" lang="de-DE" altLang="de-DE" sz="2000" i="0" u="none" strike="noStrike" cap="none" normalizeH="0" baseline="0" dirty="0" err="1">
+                <a:ln>
+                  <a:noFill/>
+                </a:ln>
+                <a:solidFill>
+                  <a:schemeClr val="tx1"/>
+                </a:solidFill>
+                <a:effectLst/>
+                <a:latin typeface="Arial Unicode MS"/>
+              </a:rPr>
+              <a:t>static</a:t>
+            </a:r>
+            <a:r>
+              <a:rPr kumimoji="0" lang="de-DE" altLang="de-DE" sz="2000" i="0" u="none" strike="noStrike" cap="none" normalizeH="0" baseline="0" dirty="0">
+                <a:ln>
+                  <a:noFill/>
+                </a:ln>
+                <a:solidFill>
+                  <a:schemeClr val="tx1"/>
+                </a:solidFill>
+                <a:effectLst/>
+              </a:rPr>
+              <a:t>.</a:t>
+            </a:r>
+            <a:endParaRPr kumimoji="0" lang="de-DE" altLang="de-DE" sz="2000" i="0" u="none" strike="noStrike" cap="none" normalizeH="0" baseline="0" dirty="0">
+              <a:ln>
+                <a:noFill/>
+              </a:ln>
+              <a:solidFill>
+                <a:schemeClr val="tx1"/>
+              </a:solidFill>
+              <a:effectLst/>
+              <a:latin typeface="Arial" panose="020B0604020202020204" pitchFamily="34" charset="0"/>
+            </a:endParaRPr>
+          </a:p>
+          <a:p>
+            <a:pPr lvl="1" eaLnBrk="0" fontAlgn="base" hangingPunct="0">
+              <a:lnSpc>
+                <a:spcPct val="100000"/>
+              </a:lnSpc>
+              <a:spcBef>
+                <a:spcPct val="0"/>
+              </a:spcBef>
+              <a:spcAft>
+                <a:spcPct val="0"/>
+              </a:spcAft>
+            </a:pPr>
+            <a:r>
+              <a:rPr kumimoji="0" lang="de-DE" altLang="de-DE" sz="2000" i="0" u="none" strike="noStrike" cap="none" normalizeH="0" baseline="0" dirty="0">
+                <a:ln>
+                  <a:noFill/>
+                </a:ln>
+                <a:solidFill>
+                  <a:schemeClr val="tx1"/>
+                </a:solidFill>
+                <a:effectLst/>
+                <a:latin typeface="Arial" panose="020B0604020202020204" pitchFamily="34" charset="0"/>
+              </a:rPr>
+              <a:t>Schnelle </a:t>
+            </a:r>
+            <a:r>
+              <a:rPr kumimoji="0" lang="de-DE" altLang="de-DE" sz="2000" i="0" u="none" strike="noStrike" cap="none" normalizeH="0" baseline="0" dirty="0" err="1">
+                <a:ln>
+                  <a:noFill/>
+                </a:ln>
+                <a:solidFill>
+                  <a:schemeClr val="tx1"/>
+                </a:solidFill>
+                <a:effectLst/>
+                <a:latin typeface="Arial" panose="020B0604020202020204" pitchFamily="34" charset="0"/>
+              </a:rPr>
+              <a:t>Build</a:t>
+            </a:r>
+            <a:r>
+              <a:rPr kumimoji="0" lang="de-DE" altLang="de-DE" sz="2000" i="0" u="none" strike="noStrike" cap="none" normalizeH="0" baseline="0" dirty="0">
+                <a:ln>
+                  <a:noFill/>
+                </a:ln>
+                <a:solidFill>
+                  <a:schemeClr val="tx1"/>
+                </a:solidFill>
+                <a:effectLst/>
+                <a:latin typeface="Arial" panose="020B0604020202020204" pitchFamily="34" charset="0"/>
+              </a:rPr>
+              <a:t>-Zeit durch Rust.</a:t>
+            </a:r>
+          </a:p>
+          <a:p>
+            <a:pPr lvl="1" eaLnBrk="0" fontAlgn="base" hangingPunct="0">
+              <a:lnSpc>
+                <a:spcPct val="100000"/>
+              </a:lnSpc>
+              <a:spcBef>
+                <a:spcPct val="0"/>
+              </a:spcBef>
+              <a:spcAft>
+                <a:spcPct val="0"/>
+              </a:spcAft>
+            </a:pPr>
+            <a:r>
+              <a:rPr lang="de-DE" altLang="de-DE" sz="2000" dirty="0">
+                <a:latin typeface="Arial" panose="020B0604020202020204" pitchFamily="34" charset="0"/>
+              </a:rPr>
+              <a:t>Einfache Seitenerstellung</a:t>
+            </a:r>
+            <a:endParaRPr kumimoji="0" lang="de-DE" altLang="de-DE" sz="2000" i="0" u="none" strike="noStrike" cap="none" normalizeH="0" baseline="0" dirty="0">
+              <a:ln>
+                <a:noFill/>
+              </a:ln>
+              <a:solidFill>
+                <a:schemeClr val="tx1"/>
+              </a:solidFill>
+              <a:effectLst/>
+              <a:latin typeface="Arial" panose="020B0604020202020204" pitchFamily="34" charset="0"/>
+            </a:endParaRPr>
           </a:p>
           <a:p>
             <a:pPr eaLnBrk="0" fontAlgn="base" hangingPunct="0">
@@ -5864,6 +6047,19 @@
               </a:spcAft>
             </a:pPr>
             <a:r>
+              <a:rPr kumimoji="0" lang="de-DE" altLang="de-DE" sz="2200" b="1" i="0" u="none" strike="noStrike" cap="none" normalizeH="0" baseline="0" dirty="0">
+                <a:ln>
+                  <a:noFill/>
+                </a:ln>
+                <a:solidFill>
+                  <a:schemeClr val="tx1"/>
+                </a:solidFill>
+                <a:effectLst/>
+                <a:latin typeface="Arial" panose="020B0604020202020204" pitchFamily="34" charset="0"/>
+              </a:rPr>
+              <a:t>Schlecht</a:t>
+            </a:r>
+            <a:r>
               <a:rPr kumimoji="0" lang="de-DE" altLang="de-DE" sz="2400" i="0" u="none" strike="noStrike" cap="none" normalizeH="0" baseline="0" dirty="0">
                 <a:ln>
                   <a:noFill/>
@@ -5874,10 +6070,23 @@
                 <a:effectLst/>
                 <a:latin typeface="Arial" panose="020B0604020202020204" pitchFamily="34" charset="0"/>
               </a:rPr>
-              <a:t>Klare Ordnerstruktur </a:t>
-            </a:r>
-            <a:r>
-              <a:rPr kumimoji="0" lang="de-DE" altLang="de-DE" sz="2400" i="0" u="none" strike="noStrike" cap="none" normalizeH="0" baseline="0" dirty="0" err="1">
+              <a:t>:</a:t>
+            </a:r>
+          </a:p>
+          <a:p>
+            <a:pPr lvl="1" eaLnBrk="0" fontAlgn="base" hangingPunct="0">
+              <a:lnSpc>
+                <a:spcPct val="100000"/>
+              </a:lnSpc>
+              <a:spcBef>
+                <a:spcPct val="0"/>
+              </a:spcBef>
+              <a:spcAft>
+                <a:spcPct val="0"/>
+              </a:spcAft>
+            </a:pPr>
+            <a:r>
+              <a:rPr kumimoji="0" lang="de-DE" altLang="de-DE" sz="2000" i="0" u="none" strike="noStrike" cap="none" normalizeH="0" baseline="0" dirty="0">
                 <a:ln>
                   <a:noFill/>
                 </a:ln>
@@ -5885,12 +6094,25 @@
                   <a:schemeClr val="tx1"/>
                 </a:solidFill>
                 <a:effectLst/>
-                <a:latin typeface="Arial Unicode MS"/>
+                <a:latin typeface="Arial" panose="020B0604020202020204" pitchFamily="34" charset="0"/>
               </a:rPr>
-              <a:t>content</a:t>
-            </a:r>
-            <a:r>
-              <a:rPr kumimoji="0" lang="de-DE" altLang="de-DE" sz="2400" i="0" u="none" strike="noStrike" cap="none" normalizeH="0" baseline="0" dirty="0">
+              <a:t>Anpassung erfordert Grundkenntnisse</a:t>
+            </a:r>
+          </a:p>
+          <a:p>
+            <a:pPr lvl="1" eaLnBrk="0" fontAlgn="base" hangingPunct="0">
+              <a:lnSpc>
+                <a:spcPct val="100000"/>
+              </a:lnSpc>
+              <a:spcBef>
+                <a:spcPct val="0"/>
+              </a:spcBef>
+              <a:spcAft>
+                <a:spcPct val="0"/>
+              </a:spcAft>
+            </a:pPr>
+            <a:r>
+              <a:rPr kumimoji="0" lang="de-DE" altLang="de-DE" sz="2000" i="0" u="none" strike="noStrike" cap="none" normalizeH="0" baseline="0" dirty="0">
                 <a:ln>
                   <a:noFill/>
                 </a:ln>
@@ -5898,69 +6120,10 @@
                   <a:schemeClr val="tx1"/>
                 </a:solidFill>
                 <a:effectLst/>
+                <a:latin typeface="Arial" panose="020B0604020202020204" pitchFamily="34" charset="0"/>
               </a:rPr>
-              <a:t>, </a:t>
-            </a:r>
-            <a:r>
-              <a:rPr kumimoji="0" lang="de-DE" altLang="de-DE" sz="2400" i="0" u="none" strike="noStrike" cap="none" normalizeH="0" baseline="0" dirty="0" err="1">
-                <a:ln>
-                  <a:noFill/>
-                </a:ln>
-                <a:solidFill>
-                  <a:schemeClr val="tx1"/>
-                </a:solidFill>
-                <a:effectLst/>
-                <a:latin typeface="Arial Unicode MS"/>
-              </a:rPr>
-              <a:t>templates</a:t>
-            </a:r>
-            <a:r>
-              <a:rPr kumimoji="0" lang="de-DE" altLang="de-DE" sz="2400" i="0" u="none" strike="noStrike" cap="none" normalizeH="0" baseline="0" dirty="0">
-                <a:ln>
-                  <a:noFill/>
-                </a:ln>
-                <a:solidFill>
-                  <a:schemeClr val="tx1"/>
-                </a:solidFill>
-                <a:effectLst/>
-              </a:rPr>
-              <a:t>, </a:t>
-            </a:r>
-            <a:r>
-              <a:rPr kumimoji="0" lang="de-DE" altLang="de-DE" sz="2400" i="0" u="none" strike="noStrike" cap="none" normalizeH="0" baseline="0" dirty="0" err="1">
-                <a:ln>
-                  <a:noFill/>
-                </a:ln>
-                <a:solidFill>
-                  <a:schemeClr val="tx1"/>
-                </a:solidFill>
-                <a:effectLst/>
-                <a:latin typeface="Arial Unicode MS"/>
-              </a:rPr>
-              <a:t>static</a:t>
-            </a:r>
-            <a:r>
-              <a:rPr kumimoji="0" lang="de-DE" altLang="de-DE" sz="2400" i="0" u="none" strike="noStrike" cap="none" normalizeH="0" baseline="0" dirty="0">
-                <a:ln>
-                  <a:noFill/>
-                </a:ln>
-                <a:solidFill>
-                  <a:schemeClr val="tx1"/>
-                </a:solidFill>
-                <a:effectLst/>
-              </a:rPr>
-              <a:t>.</a:t>
-            </a:r>
-            <a:endParaRPr kumimoji="0" lang="de-DE" altLang="de-DE" sz="2400" i="0" u="none" strike="noStrike" cap="none" normalizeH="0" baseline="0" dirty="0">
-              <a:ln>
-                <a:noFill/>
-              </a:ln>
-              <a:solidFill>
-                <a:schemeClr val="tx1"/>
-              </a:solidFill>
-              <a:effectLst/>
-              <a:latin typeface="Arial" panose="020B0604020202020204" pitchFamily="34" charset="0"/>
-            </a:endParaRPr>
+              <a:t>Keine Plugins </a:t>
+            </a:r>
           </a:p>
           <a:p>
             <a:pPr eaLnBrk="0" fontAlgn="base" hangingPunct="0">
@@ -5975,6 +6138,19 @@
               </a:spcAft>
             </a:pPr>
             <a:r>
+              <a:rPr kumimoji="0" lang="de-DE" altLang="de-DE" sz="2200" b="1" i="0" u="none" strike="noStrike" cap="none" normalizeH="0" baseline="0" dirty="0">
+                <a:ln>
+                  <a:noFill/>
+                </a:ln>
+                <a:solidFill>
+                  <a:schemeClr val="tx1"/>
+                </a:solidFill>
+                <a:effectLst/>
+                <a:latin typeface="Arial" panose="020B0604020202020204" pitchFamily="34" charset="0"/>
+              </a:rPr>
+              <a:t>Gesamtbewertung</a:t>
+            </a:r>
+            <a:r>
               <a:rPr kumimoji="0" lang="de-DE" altLang="de-DE" sz="2400" i="0" u="none" strike="noStrike" cap="none" normalizeH="0" baseline="0" dirty="0">
                 <a:ln>
                   <a:noFill/>
@@ -5985,37 +6161,11 @@
                 <a:effectLst/>
                 <a:latin typeface="Arial" panose="020B0604020202020204" pitchFamily="34" charset="0"/>
               </a:rPr>
-              <a:t>Schnelle </a:t>
-            </a:r>
-            <a:r>
-              <a:rPr kumimoji="0" lang="de-DE" altLang="de-DE" sz="2400" i="0" u="none" strike="noStrike" cap="none" normalizeH="0" baseline="0" dirty="0" err="1">
-                <a:ln>
-                  <a:noFill/>
-                </a:ln>
-                <a:solidFill>
-                  <a:schemeClr val="tx1"/>
-                </a:solidFill>
-                <a:effectLst/>
-                <a:latin typeface="Arial" panose="020B0604020202020204" pitchFamily="34" charset="0"/>
-              </a:rPr>
-              <a:t>Build</a:t>
-            </a:r>
-            <a:r>
-              <a:rPr kumimoji="0" lang="de-DE" altLang="de-DE" sz="2400" i="0" u="none" strike="noStrike" cap="none" normalizeH="0" baseline="0" dirty="0">
-                <a:ln>
-                  <a:noFill/>
-                </a:ln>
-                <a:solidFill>
-                  <a:schemeClr val="tx1"/>
-                </a:solidFill>
-                <a:effectLst/>
-                <a:latin typeface="Arial" panose="020B0604020202020204" pitchFamily="34" charset="0"/>
-              </a:rPr>
-              <a:t>-Zeit durch Rust.</a:t>
-            </a:r>
-          </a:p>
-          <a:p>
-            <a:pPr eaLnBrk="0" fontAlgn="base" hangingPunct="0">
+              <a:t>:</a:t>
+            </a:r>
+          </a:p>
+          <a:p>
+            <a:pPr lvl="1" eaLnBrk="0" fontAlgn="base" hangingPunct="0">
               <a:lnSpc>
                 <a:spcPct val="100000"/>
               </a:lnSpc>
@@ -6027,24 +6177,21 @@
               </a:spcAft>
             </a:pPr>
             <a:r>
-              <a:rPr lang="de-DE" altLang="de-DE" sz="2400" dirty="0">
+              <a:rPr kumimoji="0" lang="de-DE" altLang="de-DE" sz="2000" i="0" u="none" strike="noStrike" cap="none" normalizeH="0" baseline="0" dirty="0">
+                <a:ln>
+                  <a:noFill/>
+                </a:ln>
+                <a:solidFill>
+                  <a:schemeClr val="tx1"/>
+                </a:solidFill>
+                <a:effectLst/>
                 <a:latin typeface="Arial" panose="020B0604020202020204" pitchFamily="34" charset="0"/>
               </a:rPr>
-              <a:t>Einfache Seitenerstellung</a:t>
-            </a:r>
-            <a:endParaRPr kumimoji="0" lang="de-DE" altLang="de-DE" sz="2400" i="0" u="none" strike="noStrike" cap="none" normalizeH="0" baseline="0" dirty="0">
-              <a:ln>
-                <a:noFill/>
-              </a:ln>
-              <a:solidFill>
-                <a:schemeClr val="tx1"/>
-              </a:solidFill>
-              <a:effectLst/>
-              <a:latin typeface="Arial" panose="020B0604020202020204" pitchFamily="34" charset="0"/>
-            </a:endParaRPr>
-          </a:p>
-          <a:p>
-            <a:pPr eaLnBrk="0" fontAlgn="base" hangingPunct="0">
+              <a:t>Kleine Projekte</a:t>
+            </a:r>
+          </a:p>
+          <a:p>
+            <a:pPr lvl="1" eaLnBrk="0" fontAlgn="base" hangingPunct="0">
               <a:lnSpc>
                 <a:spcPct val="100000"/>
               </a:lnSpc>
@@ -6056,137 +6203,7 @@
               </a:spcAft>
             </a:pPr>
             <a:r>
-              <a:rPr kumimoji="0" lang="de-DE" altLang="de-DE" sz="2400" i="0" u="none" strike="noStrike" cap="none" normalizeH="0" baseline="0" dirty="0">
-                <a:ln>
-                  <a:noFill/>
-                </a:ln>
-                <a:solidFill>
-                  <a:schemeClr val="tx1"/>
-                </a:solidFill>
-                <a:effectLst/>
-                <a:latin typeface="Arial" panose="020B0604020202020204" pitchFamily="34" charset="0"/>
-              </a:rPr>
-              <a:t>Herausforderungen:</a:t>
-            </a:r>
-          </a:p>
-          <a:p>
-            <a:pPr eaLnBrk="0" fontAlgn="base" hangingPunct="0">
-              <a:lnSpc>
-                <a:spcPct val="100000"/>
-              </a:lnSpc>
-              <a:spcBef>
-                <a:spcPct val="0"/>
-              </a:spcBef>
-              <a:spcAft>
-                <a:spcPct val="0"/>
-              </a:spcAft>
-            </a:pPr>
-            <a:r>
-              <a:rPr kumimoji="0" lang="de-DE" altLang="de-DE" sz="2400" i="0" u="none" strike="noStrike" cap="none" normalizeH="0" baseline="0" dirty="0">
-                <a:ln>
-                  <a:noFill/>
-                </a:ln>
-                <a:solidFill>
-                  <a:schemeClr val="tx1"/>
-                </a:solidFill>
-                <a:effectLst/>
-                <a:latin typeface="Arial" panose="020B0604020202020204" pitchFamily="34" charset="0"/>
-              </a:rPr>
-              <a:t>Anpassung erfordert Grundkenntnisse</a:t>
-            </a:r>
-          </a:p>
-          <a:p>
-            <a:pPr eaLnBrk="0" fontAlgn="base" hangingPunct="0">
-              <a:lnSpc>
-                <a:spcPct val="100000"/>
-              </a:lnSpc>
-              <a:spcBef>
-                <a:spcPct val="0"/>
-              </a:spcBef>
-              <a:spcAft>
-                <a:spcPct val="0"/>
-              </a:spcAft>
-            </a:pPr>
-            <a:r>
-              <a:rPr kumimoji="0" lang="de-DE" altLang="de-DE" sz="2400" i="0" u="none" strike="noStrike" cap="none" normalizeH="0" baseline="0" dirty="0">
-                <a:ln>
-                  <a:noFill/>
-                </a:ln>
-                <a:solidFill>
-                  <a:schemeClr val="tx1"/>
-                </a:solidFill>
-                <a:effectLst/>
-                <a:latin typeface="Arial" panose="020B0604020202020204" pitchFamily="34" charset="0"/>
-              </a:rPr>
-              <a:t>Keine Plugins </a:t>
-            </a:r>
-          </a:p>
-          <a:p>
-            <a:pPr eaLnBrk="0" fontAlgn="base" hangingPunct="0">
-              <a:lnSpc>
-                <a:spcPct val="100000"/>
-              </a:lnSpc>
-              <a:spcBef>
-                <a:spcPct val="0"/>
-              </a:spcBef>
-              <a:spcAft>
-                <a:spcPct val="0"/>
-              </a:spcAft>
-            </a:pPr>
-            <a:r>
-              <a:rPr kumimoji="0" lang="de-DE" altLang="de-DE" sz="2400" i="0" u="none" strike="noStrike" cap="none" normalizeH="0" baseline="0" dirty="0">
-                <a:ln>
-                  <a:noFill/>
-                </a:ln>
-                <a:solidFill>
-                  <a:schemeClr val="tx1"/>
-                </a:solidFill>
-                <a:effectLst/>
-                <a:latin typeface="Arial" panose="020B0604020202020204" pitchFamily="34" charset="0"/>
-              </a:rPr>
-              <a:t>Gesamtbewertung:</a:t>
-            </a:r>
-          </a:p>
-          <a:p>
-            <a:pPr eaLnBrk="0" fontAlgn="base" hangingPunct="0">
-              <a:lnSpc>
-                <a:spcPct val="100000"/>
-              </a:lnSpc>
-              <a:spcBef>
-                <a:spcPct val="0"/>
-              </a:spcBef>
-              <a:spcAft>
-                <a:spcPct val="0"/>
-              </a:spcAft>
-            </a:pPr>
-            <a:r>
-              <a:rPr kumimoji="0" lang="de-DE" altLang="de-DE" sz="2400" i="0" u="none" strike="noStrike" cap="none" normalizeH="0" baseline="0" dirty="0">
-                <a:ln>
-                  <a:noFill/>
-                </a:ln>
-                <a:solidFill>
-                  <a:schemeClr val="tx1"/>
-                </a:solidFill>
-                <a:effectLst/>
-                <a:latin typeface="Arial" panose="020B0604020202020204" pitchFamily="34" charset="0"/>
-              </a:rPr>
-              <a:t>Kleine Projekte</a:t>
-            </a:r>
-          </a:p>
-          <a:p>
-            <a:pPr eaLnBrk="0" fontAlgn="base" hangingPunct="0">
-              <a:lnSpc>
-                <a:spcPct val="100000"/>
-              </a:lnSpc>
-              <a:spcBef>
-                <a:spcPct val="0"/>
-              </a:spcBef>
-              <a:spcAft>
-                <a:spcPct val="0"/>
-              </a:spcAft>
-            </a:pPr>
-            <a:r>
-              <a:rPr kumimoji="0" lang="de-DE" altLang="de-DE" sz="2400" i="0" u="none" strike="noStrike" cap="none" normalizeH="0" baseline="0" dirty="0">
+              <a:rPr kumimoji="0" lang="de-DE" altLang="de-DE" sz="2000" i="0" u="none" strike="noStrike" cap="none" normalizeH="0" baseline="0" dirty="0">
                 <a:ln>
                   <a:noFill/>
                 </a:ln>
@@ -6199,13 +6216,13 @@
               <a:t>Schnelle und einfache </a:t>
             </a:r>
             <a:r>
-              <a:rPr lang="de-DE" altLang="de-DE" sz="2400" dirty="0">
+              <a:rPr lang="de-DE" altLang="de-DE" sz="2000" dirty="0">
                 <a:latin typeface="Arial" panose="020B0604020202020204" pitchFamily="34" charset="0"/>
               </a:rPr>
               <a:t>U</a:t>
             </a:r>
             <a:r>
-              <a:rPr kumimoji="0" lang="de-DE" altLang="de-DE" sz="2400" i="0" u="none" strike="noStrike" cap="none" normalizeH="0" baseline="0" dirty="0">
+              <a:rPr kumimoji="0" lang="de-DE" altLang="de-DE" sz="2000" i="0" u="none" strike="noStrike" cap="none" normalizeH="0" baseline="0" dirty="0">
                 <a:ln>
                   <a:noFill/>
                 </a:ln>
@@ -6248,6 +6265,53 @@
           </a:p>
         </p:txBody>
       </p:sp>
+      <p:pic>
+        <p:nvPicPr>
+          <p:cNvPr id="1026" name="Picture 2" descr="Benutzerfreundlichkeit ( Usability ) und Benutzerverhalten ( User  Experiance ) verbessern - Homepage optimieren, Optimierung, Hannover,  Hildesheim, Webseite, Suchmaschinenoptimierung, SEO, Benutzererfahrung,  Beratung, Analyse">
+            <a:extLst>
+              <a:ext uri="{FF2B5EF4-FFF2-40B4-BE49-F238E27FC236}">
+                <a16:creationId xmlns:a16="http://schemas.microsoft.com/office/drawing/2014/main" id="{51DC858D-3768-B3B8-4BD4-340DA651D806}"/>
+              </a:ext>
+            </a:extLst>
+          </p:cNvPr>
+          <p:cNvPicPr>
+            <a:picLocks noChangeAspect="1" noChangeArrowheads="1"/>
+          </p:cNvPicPr>
+          <p:nvPr/>
+        </p:nvPicPr>
+        <p:blipFill>
+          <a:blip r:embed="rId2">
+            <a:extLst>
+              <a:ext uri="{28A0092B-C50C-407E-A947-70E740481C1C}">
+                <a14:useLocalDpi xmlns:a14="http://schemas.microsoft.com/office/drawing/2010/main" val="0"/>
+              </a:ext>
+            </a:extLst>
+          </a:blip>
+          <a:srcRect/>
+          <a:stretch>
+            <a:fillRect/>
+          </a:stretch>
+        </p:blipFill>
+        <p:spPr bwMode="auto">
+          <a:xfrm>
+            <a:off x="7050023" y="3281521"/>
+            <a:ext cx="4589907" cy="2709704"/>
+          </a:xfrm>
+          <a:prstGeom prst="rect">
+            <a:avLst/>
+          </a:prstGeom>
+          <a:noFill/>
+          <a:extLst>
+            <a:ext uri="{909E8E84-426E-40DD-AFC4-6F175D3DCCD1}">
+              <a14:hiddenFill xmlns:a14="http://schemas.microsoft.com/office/drawing/2010/main">
+                <a:solidFill>
+                  <a:srgbClr val="FFFFFF"/>
+                </a:solidFill>
+              </a14:hiddenFill>
+            </a:ext>
+          </a:extLst>
+        </p:spPr>
+      </p:pic>
     </p:spTree>
     <p:extLst>
       <p:ext uri="{BB962C8B-B14F-4D97-AF65-F5344CB8AC3E}">
@@ -6300,18 +6364,18 @@
           <a:lstStyle/>
           <a:p>
             <a:r>
-              <a:rPr lang="de-AT" dirty="0" err="1"/>
+              <a:rPr lang="de-AT" b="1" dirty="0" err="1"/>
               <a:t>Veröffentichung</a:t>
             </a:r>
             <a:r>
-              <a:rPr lang="de-AT" dirty="0"/>
+              <a:rPr lang="de-AT" b="1" dirty="0"/>
               <a:t> mit </a:t>
             </a:r>
             <a:r>
-              <a:rPr lang="de-AT" dirty="0" err="1"/>
+              <a:rPr lang="de-AT" b="1" dirty="0" err="1"/>
               <a:t>Netlify</a:t>
             </a:r>
-            <a:endParaRPr lang="de-AT" dirty="0"/>
+            <a:endParaRPr lang="de-AT" b="1" dirty="0"/>
           </a:p>
         </p:txBody>
       </p:sp>
@@ -6338,7 +6402,7 @@
           <a:p>
             <a:fld id="{0C85FB06-CDEC-4B83-9238-A8497C362BA2}" type="datetime1">
               <a:rPr lang="de-AT" smtClean="0"/>
-              <a:t>05.12.2024</a:t>
+              <a:t>06.12.2024</a:t>
             </a:fld>
             <a:endParaRPr lang="de-AT" dirty="0"/>
           </a:p>
@@ -6650,7 +6714,7 @@
               </a:spcAft>
             </a:pPr>
             <a:r>
-              <a:rPr kumimoji="0" lang="de-DE" altLang="de-DE" sz="2000" i="0" u="none" strike="noStrike" cap="none" normalizeH="0" baseline="0" dirty="0" err="1">
+              <a:rPr kumimoji="0" lang="de-DE" altLang="de-DE" sz="2000" b="1" i="0" u="none" strike="noStrike" cap="none" normalizeH="0" baseline="0" dirty="0" err="1">
                 <a:ln>
                   <a:noFill/>
                 </a:ln>
@@ -6663,7 +6727,7 @@
               <a:t>Deployment</a:t>
             </a:r>
             <a:r>
-              <a:rPr kumimoji="0" lang="de-DE" altLang="de-DE" sz="2000" i="0" u="none" strike="noStrike" cap="none" normalizeH="0" baseline="0" dirty="0">
+              <a:rPr kumimoji="0" lang="de-DE" altLang="de-DE" sz="2000" b="1" i="0" u="none" strike="noStrike" cap="none" normalizeH="0" baseline="0" dirty="0">
                 <a:ln>
                   <a:noFill/>
                 </a:ln>
@@ -6676,7 +6740,7 @@
               <a:t> mit </a:t>
             </a:r>
             <a:r>
-              <a:rPr kumimoji="0" lang="de-DE" altLang="de-DE" sz="2000" i="0" u="none" strike="noStrike" cap="none" normalizeH="0" baseline="0" dirty="0" err="1">
+              <a:rPr kumimoji="0" lang="de-DE" altLang="de-DE" sz="2000" b="1" i="0" u="none" strike="noStrike" cap="none" normalizeH="0" baseline="0" dirty="0" err="1">
                 <a:ln>
                   <a:noFill/>
                 </a:ln>
@@ -6689,7 +6753,7 @@
               <a:t>Netlify</a:t>
             </a:r>
             <a:r>
-              <a:rPr kumimoji="0" lang="de-DE" altLang="de-DE" sz="2000" i="0" u="none" strike="noStrike" cap="none" normalizeH="0" baseline="0" dirty="0">
+              <a:rPr kumimoji="0" lang="de-DE" altLang="de-DE" sz="2000" b="1" i="0" u="none" strike="noStrike" cap="none" normalizeH="0" baseline="0" dirty="0">
                 <a:ln>
                   <a:noFill/>
                 </a:ln>
@@ -6828,7 +6892,7 @@
               </a:spcAft>
             </a:pPr>
             <a:r>
-              <a:rPr kumimoji="0" lang="de-DE" altLang="de-DE" sz="2000" i="0" u="none" strike="noStrike" cap="none" normalizeH="0" baseline="0" dirty="0">
+              <a:rPr kumimoji="0" lang="de-DE" altLang="de-DE" sz="2000" b="1" i="0" u="none" strike="noStrike" cap="none" normalizeH="0" baseline="0" dirty="0">
                 <a:ln>
                   <a:noFill/>
                 </a:ln>
@@ -6841,7 +6905,7 @@
               <a:t>Vorteile von </a:t>
             </a:r>
             <a:r>
-              <a:rPr kumimoji="0" lang="de-DE" altLang="de-DE" sz="2000" i="0" u="none" strike="noStrike" cap="none" normalizeH="0" baseline="0" dirty="0" err="1">
+              <a:rPr kumimoji="0" lang="de-DE" altLang="de-DE" sz="2000" b="1" i="0" u="none" strike="noStrike" cap="none" normalizeH="0" baseline="0" dirty="0" err="1">
                 <a:ln>
                   <a:noFill/>
                 </a:ln>
@@ -6854,7 +6918,7 @@
               <a:t>Netlify</a:t>
             </a:r>
             <a:r>
-              <a:rPr kumimoji="0" lang="de-DE" altLang="de-DE" sz="2000" i="0" u="none" strike="noStrike" cap="none" normalizeH="0" baseline="0" dirty="0">
+              <a:rPr kumimoji="0" lang="de-DE" altLang="de-DE" sz="2000" b="1" i="0" u="none" strike="noStrike" cap="none" normalizeH="0" baseline="0" dirty="0">
                 <a:ln>
                   <a:noFill/>
                 </a:ln>
@@ -6931,6 +6995,36 @@
           </a:p>
         </p:txBody>
       </p:sp>
+      <p:pic>
+        <p:nvPicPr>
+          <p:cNvPr id="9" name="Grafik 8">
+            <a:extLst>
+              <a:ext uri="{FF2B5EF4-FFF2-40B4-BE49-F238E27FC236}">
+                <a16:creationId xmlns:a16="http://schemas.microsoft.com/office/drawing/2014/main" id="{6AFD4170-01F6-0913-3084-EBBCFE3F029E}"/>
+              </a:ext>
+            </a:extLst>
+          </p:cNvPr>
+          <p:cNvPicPr>
+            <a:picLocks noChangeAspect="1"/>
+          </p:cNvPicPr>
+          <p:nvPr/>
+        </p:nvPicPr>
+        <p:blipFill>
+          <a:blip r:embed="rId2"/>
+          <a:stretch>
+            <a:fillRect/>
+          </a:stretch>
+        </p:blipFill>
+        <p:spPr>
+          <a:xfrm>
+            <a:off x="5476008" y="2893734"/>
+            <a:ext cx="6507480" cy="2433436"/>
+          </a:xfrm>
+          <a:prstGeom prst="rect">
+            <a:avLst/>
+          </a:prstGeom>
+        </p:spPr>
+      </p:pic>
     </p:spTree>
     <p:extLst>
       <p:ext uri="{BB962C8B-B14F-4D97-AF65-F5344CB8AC3E}">
@@ -7020,7 +7114,7 @@
           <a:p>
             <a:fld id="{0C85FB06-CDEC-4B83-9238-A8497C362BA2}" type="datetime1">
               <a:rPr lang="de-AT" smtClean="0"/>
-              <a:t>05.12.2024</a:t>
+              <a:t>06.12.2024</a:t>
             </a:fld>
             <a:endParaRPr lang="de-AT" dirty="0"/>
           </a:p>
@@ -7180,7 +7274,7 @@
           <a:lstStyle/>
           <a:p>
             <a:r>
-              <a:rPr lang="de-AT" dirty="0"/>
+              <a:rPr lang="de-AT" b="1" dirty="0"/>
               <a:t>Fazit</a:t>
             </a:r>
           </a:p>
@@ -7209,7 +7303,7 @@
           <a:p>
             <a:fld id="{0C85FB06-CDEC-4B83-9238-A8497C362BA2}" type="datetime1">
               <a:rPr lang="de-AT" smtClean="0"/>
-              <a:t>05.12.2024</a:t>
+              <a:t>06.12.2024</a:t>
             </a:fld>
             <a:endParaRPr lang="de-AT" dirty="0"/>
           </a:p>
@@ -7335,8 +7429,8 @@
         </p:nvSpPr>
         <p:spPr bwMode="auto">
           <a:xfrm>
-            <a:off x="838200" y="2643374"/>
-            <a:ext cx="8735568" cy="2215991"/>
+            <a:off x="838200" y="2843428"/>
+            <a:ext cx="8735568" cy="1815882"/>
           </a:xfrm>
           <a:prstGeom prst="rect">
             <a:avLst/>
@@ -7396,7 +7490,7 @@
               </a:spcAft>
             </a:pPr>
             <a:r>
-              <a:rPr kumimoji="0" lang="de-DE" altLang="de-DE" sz="2400" i="0" u="none" strike="noStrike" cap="none" normalizeH="0" baseline="0" dirty="0">
+              <a:rPr kumimoji="0" lang="de-DE" altLang="de-DE" i="0" u="none" strike="noStrike" cap="none" normalizeH="0" baseline="0" dirty="0">
                 <a:ln>
                   <a:noFill/>
                 </a:ln>
@@ -7406,7 +7500,7 @@
                 <a:effectLst/>
                 <a:latin typeface="Arial" panose="020B0604020202020204" pitchFamily="34" charset="0"/>
               </a:rPr>
-              <a:t>Generator: Zola – schnell, flexibel, anfängerfreundlich.</a:t>
+              <a:t>Generator: Zola</a:t>
             </a:r>
           </a:p>
           <a:p>
@@ -7422,7 +7516,7 @@
               </a:spcAft>
             </a:pPr>
             <a:r>
-              <a:rPr kumimoji="0" lang="de-DE" altLang="de-DE" sz="2400" i="0" u="none" strike="noStrike" cap="none" normalizeH="0" baseline="0" dirty="0">
+              <a:rPr kumimoji="0" lang="de-DE" altLang="de-DE" i="0" u="none" strike="noStrike" cap="none" normalizeH="0" baseline="0" dirty="0">
                 <a:ln>
                   <a:noFill/>
                 </a:ln>
@@ -7435,7 +7529,7 @@
               <a:t>Hosting: </a:t>
             </a:r>
             <a:r>
-              <a:rPr kumimoji="0" lang="de-DE" altLang="de-DE" sz="2400" i="0" u="none" strike="noStrike" cap="none" normalizeH="0" baseline="0" dirty="0" err="1">
+              <a:rPr kumimoji="0" lang="de-DE" altLang="de-DE" i="0" u="none" strike="noStrike" cap="none" normalizeH="0" baseline="0" dirty="0" err="1">
                 <a:ln>
                   <a:noFill/>
                 </a:ln>
@@ -7448,7 +7542,7 @@
               <a:t>Netlify</a:t>
             </a:r>
             <a:r>
-              <a:rPr kumimoji="0" lang="de-DE" altLang="de-DE" sz="2400" i="0" u="none" strike="noStrike" cap="none" normalizeH="0" baseline="0" dirty="0">
+              <a:rPr kumimoji="0" lang="de-DE" altLang="de-DE" i="0" u="none" strike="noStrike" cap="none" normalizeH="0" baseline="0" dirty="0">
                 <a:ln>
                   <a:noFill/>
                 </a:ln>
@@ -7458,33 +7552,7 @@
                 <a:effectLst/>
                 <a:latin typeface="Arial" panose="020B0604020202020204" pitchFamily="34" charset="0"/>
               </a:rPr>
-              <a:t> – einfach, automatisiertes </a:t>
-            </a:r>
-            <a:r>
-              <a:rPr kumimoji="0" lang="de-DE" altLang="de-DE" sz="2400" i="0" u="none" strike="noStrike" cap="none" normalizeH="0" baseline="0" dirty="0" err="1">
-                <a:ln>
-                  <a:noFill/>
-                </a:ln>
-                <a:solidFill>
-                  <a:schemeClr val="tx1"/>
-                </a:solidFill>
-                <a:effectLst/>
-                <a:latin typeface="Arial" panose="020B0604020202020204" pitchFamily="34" charset="0"/>
-              </a:rPr>
-              <a:t>Deployment</a:t>
-            </a:r>
-            <a:r>
-              <a:rPr kumimoji="0" lang="de-DE" altLang="de-DE" sz="2400" i="0" u="none" strike="noStrike" cap="none" normalizeH="0" baseline="0" dirty="0">
-                <a:ln>
-                  <a:noFill/>
-                </a:ln>
-                <a:solidFill>
-                  <a:schemeClr val="tx1"/>
-                </a:solidFill>
-                <a:effectLst/>
-                <a:latin typeface="Arial" panose="020B0604020202020204" pitchFamily="34" charset="0"/>
-              </a:rPr>
-              <a:t>, schnelles CDN.</a:t>
+              <a:t> </a:t>
             </a:r>
           </a:p>
           <a:p>
@@ -7500,7 +7568,7 @@
               </a:spcAft>
             </a:pPr>
             <a:r>
-              <a:rPr kumimoji="0" lang="de-DE" altLang="de-DE" sz="2400" i="0" u="none" strike="noStrike" cap="none" normalizeH="0" baseline="0" dirty="0">
+              <a:rPr kumimoji="0" lang="de-DE" altLang="de-DE" i="0" u="none" strike="noStrike" cap="none" normalizeH="0" baseline="0" dirty="0">
                 <a:ln>
                   <a:noFill/>
                 </a:ln>
@@ -7510,7 +7578,7 @@
                 <a:effectLst/>
                 <a:latin typeface="Arial" panose="020B0604020202020204" pitchFamily="34" charset="0"/>
               </a:rPr>
-              <a:t>Erweiterbarkeit und Wiederverwendbarkeit der Website.</a:t>
+              <a:t>Erweiterbarkeit und Wiederverwendbarkeit</a:t>
             </a:r>
           </a:p>
           <a:p>
@@ -7526,7 +7594,7 @@
               </a:spcAft>
             </a:pPr>
             <a:r>
-              <a:rPr kumimoji="0" lang="de-DE" altLang="de-DE" sz="2400" i="0" u="none" strike="noStrike" cap="none" normalizeH="0" baseline="0" dirty="0">
+              <a:rPr kumimoji="0" lang="de-DE" altLang="de-DE" i="0" u="none" strike="noStrike" cap="none" normalizeH="0" baseline="0" dirty="0">
                 <a:ln>
                   <a:noFill/>
                 </a:ln>
@@ -7536,53 +7604,9 @@
                 <a:effectLst/>
                 <a:latin typeface="Arial" panose="020B0604020202020204" pitchFamily="34" charset="0"/>
               </a:rPr>
-              <a:t>Potenzial für weitere Projekte mit Zola und </a:t>
-            </a:r>
-            <a:r>
-              <a:rPr kumimoji="0" lang="de-DE" altLang="de-DE" sz="2400" i="0" u="none" strike="noStrike" cap="none" normalizeH="0" baseline="0" dirty="0" err="1">
-                <a:ln>
-                  <a:noFill/>
-                </a:ln>
-                <a:solidFill>
-                  <a:schemeClr val="tx1"/>
-                </a:solidFill>
-                <a:effectLst/>
-                <a:latin typeface="Arial" panose="020B0604020202020204" pitchFamily="34" charset="0"/>
-              </a:rPr>
-              <a:t>Netlify</a:t>
-            </a:r>
-            <a:r>
-              <a:rPr kumimoji="0" lang="de-DE" altLang="de-DE" sz="2400" i="0" u="none" strike="noStrike" cap="none" normalizeH="0" baseline="0" dirty="0">
-                <a:ln>
-                  <a:noFill/>
-                </a:ln>
-                <a:solidFill>
-                  <a:schemeClr val="tx1"/>
-                </a:solidFill>
-                <a:effectLst/>
-                <a:latin typeface="Arial" panose="020B0604020202020204" pitchFamily="34" charset="0"/>
-              </a:rPr>
-              <a:t>.</a:t>
-            </a:r>
-          </a:p>
-          <a:p>
-            <a:pPr marL="0" marR="0" lvl="0" indent="0" algn="l" defTabSz="914400" rtl="0" eaLnBrk="0" fontAlgn="base" latinLnBrk="0" hangingPunct="0">
-              <a:lnSpc>
-                <a:spcPct val="100000"/>
-              </a:lnSpc>
-              <a:spcBef>
-                <a:spcPct val="0"/>
-              </a:spcBef>
-              <a:spcAft>
-                <a:spcPct val="0"/>
-              </a:spcAft>
-              <a:buClrTx/>
-              <a:buSzTx/>
-              <a:buFontTx/>
-              <a:buNone/>
-              <a:tabLst/>
-            </a:pPr>
-            <a:endParaRPr kumimoji="0" lang="de-DE" altLang="de-DE" sz="1800" i="0" u="none" strike="noStrike" cap="none" normalizeH="0" baseline="0" dirty="0">
+              <a:t>Potenzial für weitere Projekte</a:t>
+            </a:r>
+            <a:endParaRPr kumimoji="0" lang="de-DE" altLang="de-DE" sz="2000" i="0" u="none" strike="noStrike" cap="none" normalizeH="0" baseline="0" dirty="0">
               <a:ln>
                 <a:noFill/>
               </a:ln>
@@ -7595,6 +7619,53 @@
           </a:p>
         </p:txBody>
       </p:sp>
+      <p:pic>
+        <p:nvPicPr>
+          <p:cNvPr id="2050" name="Picture 2" descr="32.500+ Fotos, Bilder und lizenzfreie Bilder zu Grüner Haken ...">
+            <a:extLst>
+              <a:ext uri="{FF2B5EF4-FFF2-40B4-BE49-F238E27FC236}">
+                <a16:creationId xmlns:a16="http://schemas.microsoft.com/office/drawing/2014/main" id="{F0A4242D-50CD-559C-C28E-204B51970F81}"/>
+              </a:ext>
+            </a:extLst>
+          </p:cNvPr>
+          <p:cNvPicPr>
+            <a:picLocks noChangeAspect="1" noChangeArrowheads="1"/>
+          </p:cNvPicPr>
+          <p:nvPr/>
+        </p:nvPicPr>
+        <p:blipFill>
+          <a:blip r:embed="rId2">
+            <a:extLst>
+              <a:ext uri="{28A0092B-C50C-407E-A947-70E740481C1C}">
+                <a14:useLocalDpi xmlns:a14="http://schemas.microsoft.com/office/drawing/2010/main" val="0"/>
+              </a:ext>
+            </a:extLst>
+          </a:blip>
+          <a:srcRect/>
+          <a:stretch>
+            <a:fillRect/>
+          </a:stretch>
+        </p:blipFill>
+        <p:spPr bwMode="auto">
+          <a:xfrm>
+            <a:off x="8759190" y="1950720"/>
+            <a:ext cx="3432810" cy="3432810"/>
+          </a:xfrm>
+          <a:prstGeom prst="rect">
+            <a:avLst/>
+          </a:prstGeom>
+          <a:noFill/>
+          <a:extLst>
+            <a:ext uri="{909E8E84-426E-40DD-AFC4-6F175D3DCCD1}">
+              <a14:hiddenFill xmlns:a14="http://schemas.microsoft.com/office/drawing/2010/main">
+                <a:solidFill>
+                  <a:srgbClr val="FFFFFF"/>
+                </a:solidFill>
+              </a14:hiddenFill>
+            </a:ext>
+          </a:extLst>
+        </p:spPr>
+      </p:pic>
     </p:spTree>
     <p:extLst>
       <p:ext uri="{BB962C8B-B14F-4D97-AF65-F5344CB8AC3E}">
